--- a/20170301-cnug-120min/_notes/Presentation.pptx
+++ b/20170301-cnug-120min/_notes/Presentation.pptx
@@ -234,7 +234,7 @@
                 <a:latin typeface="Arial" panose="020B0604020202020204" pitchFamily="34" charset="0"/>
               </a:rPr>
               <a:pPr/>
-              <a:t>3/1/2017</a:t>
+              <a:t>4/4/2017</a:t>
             </a:fld>
             <a:endParaRPr lang="en-US" dirty="0">
               <a:latin typeface="Arial" panose="020B0604020202020204" pitchFamily="34" charset="0"/>
@@ -413,7 +413,7 @@
             <a:fld id="{24063557-F382-450A-AFD2-DBDF34A23BF0}" type="datetimeFigureOut">
               <a:rPr lang="en-US"/>
               <a:pPr/>
-              <a:t>3/1/2017</a:t>
+              <a:t>4/4/2017</a:t>
             </a:fld>
             <a:endParaRPr lang="en-US" dirty="0"/>
           </a:p>
@@ -922,7 +922,7 @@
           <a:p>
             <a:fld id="{7A57692F-3CBA-4355-8A55-3D1B2312D0DE}" type="datetime1">
               <a:rPr lang="en-GB" smtClean="0"/>
-              <a:t>01/03/2017</a:t>
+              <a:t>04/04/2017</a:t>
             </a:fld>
             <a:endParaRPr lang="en-US" dirty="0"/>
           </a:p>
@@ -1202,7 +1202,7 @@
           <a:p>
             <a:fld id="{B4A1A81C-3A2B-4225-BBCB-B5EEA77564DE}" type="datetime1">
               <a:rPr lang="en-GB" smtClean="0"/>
-              <a:t>01/03/2017</a:t>
+              <a:t>04/04/2017</a:t>
             </a:fld>
             <a:endParaRPr lang="en-US" dirty="0"/>
           </a:p>
@@ -1313,7 +1313,7 @@
           <a:p>
             <a:fld id="{1C778B45-47DF-45E1-89C8-21A4AAE5193A}" type="datetime1">
               <a:rPr lang="en-GB" smtClean="0"/>
-              <a:t>01/03/2017</a:t>
+              <a:t>04/04/2017</a:t>
             </a:fld>
             <a:endParaRPr lang="en-US" dirty="0"/>
           </a:p>
@@ -1456,7 +1456,7 @@
           <a:p>
             <a:fld id="{B28390F5-47C7-4B4F-B500-E9F9053405DD}" type="datetime1">
               <a:rPr lang="en-GB" smtClean="0"/>
-              <a:t>01/03/2017</a:t>
+              <a:t>04/04/2017</a:t>
             </a:fld>
             <a:endParaRPr lang="en-US" dirty="0"/>
           </a:p>
@@ -1686,7 +1686,7 @@
           <a:p>
             <a:fld id="{EAA636A3-88D2-4DAD-BA2B-1456EFB0EA1A}" type="datetime1">
               <a:rPr lang="en-GB" smtClean="0"/>
-              <a:t>01/03/2017</a:t>
+              <a:t>04/04/2017</a:t>
             </a:fld>
             <a:endParaRPr lang="en-GB"/>
           </a:p>
@@ -1829,7 +1829,7 @@
           <a:p>
             <a:fld id="{07BD2638-165F-459F-9AC9-17734AB1218F}" type="datetime1">
               <a:rPr lang="en-GB" smtClean="0"/>
-              <a:t>01/03/2017</a:t>
+              <a:t>04/04/2017</a:t>
             </a:fld>
             <a:endParaRPr lang="en-GB"/>
           </a:p>
@@ -2130,7 +2130,7 @@
           <a:p>
             <a:fld id="{2DA4D049-087C-4FCD-8FBA-8677853A664C}" type="datetime1">
               <a:rPr lang="en-GB" smtClean="0"/>
-              <a:t>01/03/2017</a:t>
+              <a:t>04/04/2017</a:t>
             </a:fld>
             <a:endParaRPr lang="da-DK" dirty="0"/>
           </a:p>
@@ -2243,7 +2243,7 @@
           <a:graphicData uri="http://schemas.openxmlformats.org/presentationml/2006/ole">
             <mc:AlternateContent xmlns:mc="http://schemas.openxmlformats.org/markup-compatibility/2006">
               <mc:Choice xmlns:v="urn:schemas-microsoft-com:vml" Requires="v">
-                <p:oleObj spid="_x0000_s1400" name="think-cell Slide" r:id="rId11" imgW="473" imgH="473" progId="TCLayout.ActiveDocument.1">
+                <p:oleObj spid="_x0000_s1401" name="think-cell Slide" r:id="rId11" imgW="473" imgH="473" progId="TCLayout.ActiveDocument.1">
                   <p:embed/>
                 </p:oleObj>
               </mc:Choice>
@@ -2592,7 +2592,7 @@
           <a:p>
             <a:fld id="{460F4891-E81A-49DA-A060-8B93BF9F824E}" type="datetime1">
               <a:rPr lang="en-GB" smtClean="0"/>
-              <a:t>01/03/2017</a:t>
+              <a:t>04/04/2017</a:t>
             </a:fld>
             <a:endParaRPr lang="da-DK"/>
           </a:p>
@@ -7918,13 +7918,20 @@
         <p:spPr/>
         <p:txBody>
           <a:bodyPr>
-            <a:normAutofit lnSpcReduction="10000"/>
+            <a:normAutofit/>
           </a:bodyPr>
           <a:lstStyle/>
           <a:p>
+            <a:endParaRPr lang="da-DK"/>
+          </a:p>
+          <a:p>
+            <a:r>
+              <a:rPr lang="da-DK"/>
+              <a:t>Founded </a:t>
+            </a:r>
             <a:r>
               <a:rPr lang="da-DK" dirty="0"/>
-              <a:t>Founded in 2014 (spin-off from SkabelonDesign)</a:t>
+              <a:t>in 2014 (spin-off from SkabelonDesign)</a:t>
             </a:r>
           </a:p>
           <a:p>
@@ -7976,38 +7983,9 @@
           </a:p>
           <a:p>
             <a:pPr lvl="2"/>
-            <a:r>
-              <a:rPr lang="da-DK" dirty="0"/>
-              <a:t>Copenhagen: 4 developers</a:t>
-            </a:r>
-          </a:p>
-          <a:p>
-            <a:pPr lvl="2"/>
-            <a:r>
-              <a:rPr lang="da-DK" dirty="0"/>
-              <a:t>Århus: 1 developer</a:t>
-            </a:r>
-          </a:p>
-          <a:p>
-            <a:pPr lvl="2"/>
-            <a:r>
-              <a:rPr lang="da-DK" dirty="0"/>
-              <a:t>Romania: 2 developers, 1 tester</a:t>
-            </a:r>
-          </a:p>
-          <a:p>
-            <a:pPr lvl="2"/>
-            <a:r>
-              <a:rPr lang="da-DK" dirty="0"/>
-              <a:t>Poland: 1 designer</a:t>
-            </a:r>
-          </a:p>
-          <a:p>
-            <a:pPr lvl="2"/>
             <a:endParaRPr lang="da-DK" dirty="0"/>
           </a:p>
           <a:p>
-            <a:pPr lvl="1"/>
             <a:r>
               <a:rPr lang="da-DK" dirty="0"/>
               <a:t>Tech: .NET, Azure, React, VSTO, git, VSTS, Azure SQL</a:t>
